--- a/writeups/projects/fellowship conference 2022/Poster_FC22_Revised_02.06.pptx
+++ b/writeups/projects/fellowship conference 2022/Poster_FC22_Revised_02.06.pptx
@@ -260,7 +260,7 @@
           <a:p>
             <a:fld id="{215A6F6B-4740-4ABA-990A-DB123C3F0656}" type="datetimeFigureOut">
               <a:rPr lang="en-US" smtClean="0"/>
-              <a:t>2/6/2023</a:t>
+              <a:t>4/4/2023</a:t>
             </a:fld>
             <a:endParaRPr lang="en-US"/>
           </a:p>
@@ -430,7 +430,7 @@
           <a:p>
             <a:fld id="{215A6F6B-4740-4ABA-990A-DB123C3F0656}" type="datetimeFigureOut">
               <a:rPr lang="en-US" smtClean="0"/>
-              <a:t>2/6/2023</a:t>
+              <a:t>4/4/2023</a:t>
             </a:fld>
             <a:endParaRPr lang="en-US"/>
           </a:p>
@@ -610,7 +610,7 @@
           <a:p>
             <a:fld id="{215A6F6B-4740-4ABA-990A-DB123C3F0656}" type="datetimeFigureOut">
               <a:rPr lang="en-US" smtClean="0"/>
-              <a:t>2/6/2023</a:t>
+              <a:t>4/4/2023</a:t>
             </a:fld>
             <a:endParaRPr lang="en-US"/>
           </a:p>
@@ -780,7 +780,7 @@
           <a:p>
             <a:fld id="{215A6F6B-4740-4ABA-990A-DB123C3F0656}" type="datetimeFigureOut">
               <a:rPr lang="en-US" smtClean="0"/>
-              <a:t>2/6/2023</a:t>
+              <a:t>4/4/2023</a:t>
             </a:fld>
             <a:endParaRPr lang="en-US"/>
           </a:p>
@@ -1024,7 +1024,7 @@
           <a:p>
             <a:fld id="{215A6F6B-4740-4ABA-990A-DB123C3F0656}" type="datetimeFigureOut">
               <a:rPr lang="en-US" smtClean="0"/>
-              <a:t>2/6/2023</a:t>
+              <a:t>4/4/2023</a:t>
             </a:fld>
             <a:endParaRPr lang="en-US"/>
           </a:p>
@@ -1256,7 +1256,7 @@
           <a:p>
             <a:fld id="{215A6F6B-4740-4ABA-990A-DB123C3F0656}" type="datetimeFigureOut">
               <a:rPr lang="en-US" smtClean="0"/>
-              <a:t>2/6/2023</a:t>
+              <a:t>4/4/2023</a:t>
             </a:fld>
             <a:endParaRPr lang="en-US"/>
           </a:p>
@@ -1623,7 +1623,7 @@
           <a:p>
             <a:fld id="{215A6F6B-4740-4ABA-990A-DB123C3F0656}" type="datetimeFigureOut">
               <a:rPr lang="en-US" smtClean="0"/>
-              <a:t>2/6/2023</a:t>
+              <a:t>4/4/2023</a:t>
             </a:fld>
             <a:endParaRPr lang="en-US"/>
           </a:p>
@@ -1741,7 +1741,7 @@
           <a:p>
             <a:fld id="{215A6F6B-4740-4ABA-990A-DB123C3F0656}" type="datetimeFigureOut">
               <a:rPr lang="en-US" smtClean="0"/>
-              <a:t>2/6/2023</a:t>
+              <a:t>4/4/2023</a:t>
             </a:fld>
             <a:endParaRPr lang="en-US"/>
           </a:p>
@@ -1836,7 +1836,7 @@
           <a:p>
             <a:fld id="{215A6F6B-4740-4ABA-990A-DB123C3F0656}" type="datetimeFigureOut">
               <a:rPr lang="en-US" smtClean="0"/>
-              <a:t>2/6/2023</a:t>
+              <a:t>4/4/2023</a:t>
             </a:fld>
             <a:endParaRPr lang="en-US"/>
           </a:p>
@@ -2113,7 +2113,7 @@
           <a:p>
             <a:fld id="{215A6F6B-4740-4ABA-990A-DB123C3F0656}" type="datetimeFigureOut">
               <a:rPr lang="en-US" smtClean="0"/>
-              <a:t>2/6/2023</a:t>
+              <a:t>4/4/2023</a:t>
             </a:fld>
             <a:endParaRPr lang="en-US"/>
           </a:p>
@@ -2370,7 +2370,7 @@
           <a:p>
             <a:fld id="{215A6F6B-4740-4ABA-990A-DB123C3F0656}" type="datetimeFigureOut">
               <a:rPr lang="en-US" smtClean="0"/>
-              <a:t>2/6/2023</a:t>
+              <a:t>4/4/2023</a:t>
             </a:fld>
             <a:endParaRPr lang="en-US"/>
           </a:p>
@@ -2583,7 +2583,7 @@
           <a:p>
             <a:fld id="{215A6F6B-4740-4ABA-990A-DB123C3F0656}" type="datetimeFigureOut">
               <a:rPr lang="en-US" smtClean="0"/>
-              <a:t>2/6/2023</a:t>
+              <a:t>4/4/2023</a:t>
             </a:fld>
             <a:endParaRPr lang="en-US"/>
           </a:p>
@@ -4663,7 +4663,7 @@
         </p:nvSpPr>
         <p:spPr>
           <a:xfrm>
-            <a:off x="16936459" y="28669352"/>
+            <a:off x="16936458" y="28648675"/>
             <a:ext cx="19360852" cy="3416320"/>
           </a:xfrm>
           <a:prstGeom prst="rect">
